--- a/a1008 (1) (1).pptx
+++ b/a1008 (1) (1).pptx
@@ -29,7 +29,7 @@
     <p:sldId id="279" r:id="rId20"/>
     <p:sldId id="286" r:id="rId21"/>
     <p:sldId id="287" r:id="rId22"/>
-    <p:sldId id="265" r:id="rId23"/>
+    <p:sldId id="291" r:id="rId23"/>
     <p:sldId id="268" r:id="rId24"/>
     <p:sldId id="266" r:id="rId25"/>
     <p:sldId id="267" r:id="rId26"/>
@@ -23932,7 +23932,7 @@
           <p:cNvPr id="2" name="Titel 1">
             <a:extLst>
               <a:ext uri="{FF2B5EF4-FFF2-40B4-BE49-F238E27FC236}">
-                <a16:creationId xmlns:a16="http://schemas.microsoft.com/office/drawing/2014/main" id="{ECBAF7B1-E23F-48B9-BA51-9A02452902DD}"/>
+                <a16:creationId xmlns:a16="http://schemas.microsoft.com/office/drawing/2014/main" id="{A336ED34-852C-4027-914B-CB0069A85A5E}"/>
               </a:ext>
             </a:extLst>
           </p:cNvPr>
@@ -23961,7 +23961,7 @@
           <p:cNvPr id="3" name="Inhaltsplatzhalter 2">
             <a:extLst>
               <a:ext uri="{FF2B5EF4-FFF2-40B4-BE49-F238E27FC236}">
-                <a16:creationId xmlns:a16="http://schemas.microsoft.com/office/drawing/2014/main" id="{93567E31-E6DA-41BF-98A3-F6DF118F7F86}"/>
+                <a16:creationId xmlns:a16="http://schemas.microsoft.com/office/drawing/2014/main" id="{0C6CF071-6426-4B8D-8741-71704F8688D3}"/>
               </a:ext>
             </a:extLst>
           </p:cNvPr>
@@ -23974,17 +23974,70 @@
         </p:nvSpPr>
         <p:spPr/>
         <p:txBody>
-          <a:bodyPr/>
+          <a:bodyPr>
+            <a:normAutofit lnSpcReduction="10000"/>
+          </a:bodyPr>
           <a:lstStyle/>
           <a:p>
-            <a:endParaRPr lang="de-DE"/>
+            <a:r>
+              <a:rPr lang="de-DE" dirty="0"/>
+              <a:t>Delphi und Planning Poker erfordern Experten</a:t>
+            </a:r>
+          </a:p>
+          <a:p>
+            <a:pPr lvl="1"/>
+            <a:r>
+              <a:rPr lang="de-DE" dirty="0"/>
+              <a:t>Sind diese im Startup schon vorhanden, wird Planning Poker empfohlen</a:t>
+            </a:r>
+          </a:p>
+          <a:p>
+            <a:pPr lvl="1"/>
+            <a:r>
+              <a:rPr lang="de-DE" dirty="0"/>
+              <a:t>Als Ergebnis nur Gesamtaufwand, damit auch indirekt Kosten</a:t>
+            </a:r>
+          </a:p>
+          <a:p>
+            <a:pPr lvl="1"/>
+            <a:r>
+              <a:rPr lang="de-DE" dirty="0"/>
+              <a:t>Wenn keine/nicht genug Experten vorhanden, als Startup schwierig umzusetzen</a:t>
+            </a:r>
+          </a:p>
+          <a:p>
+            <a:r>
+              <a:rPr lang="de-DE" dirty="0"/>
+              <a:t>Allgemein empfohlen: PERT</a:t>
+            </a:r>
+          </a:p>
+          <a:p>
+            <a:pPr lvl="1"/>
+            <a:r>
+              <a:rPr lang="de-DE" dirty="0"/>
+              <a:t>kommt ohne Experten aus</a:t>
+            </a:r>
+          </a:p>
+          <a:p>
+            <a:pPr lvl="1"/>
+            <a:r>
+              <a:rPr lang="de-DE" dirty="0"/>
+              <a:t>Liefert ebenfalls Aufwand und indirekt Kosten</a:t>
+            </a:r>
+          </a:p>
+          <a:p>
+            <a:pPr lvl="1"/>
+            <a:r>
+              <a:rPr lang="de-DE" dirty="0"/>
+              <a:t>Zusätzliche Info: mögliche Engpässe vorhersehbar</a:t>
+            </a:r>
           </a:p>
         </p:txBody>
       </p:sp>
     </p:spTree>
     <p:extLst>
       <p:ext uri="{BB962C8B-B14F-4D97-AF65-F5344CB8AC3E}">
-        <p14:creationId xmlns:p14="http://schemas.microsoft.com/office/powerpoint/2010/main" val="975627160"/>
+        <p14:creationId xmlns:p14="http://schemas.microsoft.com/office/powerpoint/2010/main" val="1195087590"/>
       </p:ext>
     </p:extLst>
   </p:cSld>
@@ -24642,7 +24695,7 @@
         </p:spPr>
         <p:txBody>
           <a:bodyPr>
-            <a:normAutofit/>
+            <a:normAutofit fontScale="85000" lnSpcReduction="10000"/>
           </a:bodyPr>
           <a:lstStyle/>
           <a:p>
@@ -24734,6 +24787,39 @@
                 <a:effectLst/>
               </a:rPr>
               <a:t>, abgerufen am 22.10.2021</a:t>
+            </a:r>
+          </a:p>
+          <a:p>
+            <a:r>
+              <a:rPr lang="de-DE" dirty="0">
+                <a:effectLst/>
+              </a:rPr>
+              <a:t>Anlage 5: </a:t>
+            </a:r>
+            <a:r>
+              <a:rPr lang="de-DE" dirty="0" err="1">
+                <a:effectLst/>
+              </a:rPr>
+              <a:t>Grotherr</a:t>
+            </a:r>
+            <a:r>
+              <a:rPr lang="de-DE" dirty="0">
+                <a:effectLst/>
+              </a:rPr>
+              <a:t>, 2013: </a:t>
+            </a:r>
+            <a:r>
+              <a:rPr lang="de-DE" dirty="0">
+                <a:effectLst/>
+                <a:hlinkClick r:id="rId6"/>
+              </a:rPr>
+              <a:t>https://swa.informatik.uni-hamburg.de/files/abschlussarbeiten/Bachelorarbeit_Christian_Grotherr_2013.pdf</a:t>
+            </a:r>
+            <a:r>
+              <a:rPr lang="de-DE" dirty="0">
+                <a:effectLst/>
+              </a:rPr>
+              <a:t>, abgerufen am 25.04.2022</a:t>
             </a:r>
           </a:p>
           <a:p>
@@ -24989,7 +25075,7 @@
             <a:pPr algn="ctr"/>
             <a:r>
               <a:rPr lang="de-DE" dirty="0"/>
-              <a:t>Aufwandschätzung – Allgemein 	</a:t>
+              <a:t>Aufwandschätzung – Einordnung 	</a:t>
             </a:r>
           </a:p>
         </p:txBody>
@@ -25015,7 +25101,92 @@
           <a:bodyPr/>
           <a:lstStyle/>
           <a:p>
-            <a:endParaRPr lang="de-DE" dirty="0"/>
+            <a:r>
+              <a:rPr lang="de-DE" dirty="0"/>
+              <a:t>Projektmanagement im Bereich der Planung</a:t>
+            </a:r>
+          </a:p>
+          <a:p>
+            <a:r>
+              <a:rPr lang="de-DE" dirty="0"/>
+              <a:t>Im Bereich Planung unter Terminplanung</a:t>
+            </a:r>
+          </a:p>
+          <a:p>
+            <a:r>
+              <a:rPr lang="de-DE" dirty="0"/>
+              <a:t>Eine der schwierigsten, aber auch wichtigsten Aufgaben des Projektmanagements</a:t>
+            </a:r>
+          </a:p>
+          <a:p>
+            <a:r>
+              <a:rPr lang="de-DE" dirty="0"/>
+              <a:t>Ziel: zeitlichen und damit auch finanziellen Rahmen eines Projekts ermitteln</a:t>
+            </a:r>
+          </a:p>
+        </p:txBody>
+      </p:sp>
+      <p:sp>
+        <p:nvSpPr>
+          <p:cNvPr id="4" name="Textfeld 3">
+            <a:extLst>
+              <a:ext uri="{FF2B5EF4-FFF2-40B4-BE49-F238E27FC236}">
+                <a16:creationId xmlns:a16="http://schemas.microsoft.com/office/drawing/2014/main" id="{6C7336F7-0BD2-4B58-A3F2-1104AF405E55}"/>
+              </a:ext>
+            </a:extLst>
+          </p:cNvPr>
+          <p:cNvSpPr txBox="1"/>
+          <p:nvPr/>
+        </p:nvSpPr>
+        <p:spPr>
+          <a:xfrm>
+            <a:off x="9700182" y="6248400"/>
+            <a:ext cx="1935723" cy="369332"/>
+          </a:xfrm>
+          <a:prstGeom prst="rect">
+            <a:avLst/>
+          </a:prstGeom>
+          <a:noFill/>
+        </p:spPr>
+        <p:txBody>
+          <a:bodyPr wrap="none" rtlCol="0">
+            <a:spAutoFit/>
+          </a:bodyPr>
+          <a:lstStyle/>
+          <a:p>
+            <a:r>
+              <a:rPr lang="de-DE" dirty="0">
+                <a:solidFill>
+                  <a:schemeClr val="accent4"/>
+                </a:solidFill>
+                <a:latin typeface="Calibri" panose="020F0502020204030204" pitchFamily="34" charset="0"/>
+                <a:ea typeface="Calibri" panose="020F0502020204030204" pitchFamily="34" charset="0"/>
+                <a:cs typeface="Times New Roman" panose="02020603050405020304" pitchFamily="18" charset="0"/>
+              </a:rPr>
+              <a:t>vgl. </a:t>
+            </a:r>
+            <a:r>
+              <a:rPr lang="de-DE" dirty="0" err="1">
+                <a:solidFill>
+                  <a:schemeClr val="accent4"/>
+                </a:solidFill>
+                <a:latin typeface="Calibri" panose="020F0502020204030204" pitchFamily="34" charset="0"/>
+                <a:ea typeface="Calibri" panose="020F0502020204030204" pitchFamily="34" charset="0"/>
+                <a:cs typeface="Times New Roman" panose="02020603050405020304" pitchFamily="18" charset="0"/>
+              </a:rPr>
+              <a:t>Grotherr</a:t>
+            </a:r>
+            <a:r>
+              <a:rPr lang="de-DE" dirty="0">
+                <a:solidFill>
+                  <a:schemeClr val="accent4"/>
+                </a:solidFill>
+                <a:latin typeface="Calibri" panose="020F0502020204030204" pitchFamily="34" charset="0"/>
+                <a:ea typeface="Calibri" panose="020F0502020204030204" pitchFamily="34" charset="0"/>
+                <a:cs typeface="Times New Roman" panose="02020603050405020304" pitchFamily="18" charset="0"/>
+              </a:rPr>
+              <a:t>, 2013</a:t>
+            </a:r>
           </a:p>
         </p:txBody>
       </p:sp>
@@ -25202,7 +25373,7 @@
         </p:nvSpPr>
         <p:spPr>
           <a:xfrm>
-            <a:off x="8760414" y="5680051"/>
+            <a:off x="9373156" y="6178827"/>
             <a:ext cx="3165231" cy="461665"/>
           </a:xfrm>
           <a:prstGeom prst="rect">
